--- a/OverviewMain.pptx
+++ b/OverviewMain.pptx
@@ -5652,8 +5652,8 @@
           </p:sp>
         </mc:Fallback>
       </mc:AlternateContent>
-      <mc:AlternateContent xmlns:mc="http://schemas.openxmlformats.org/markup-compatibility/2006">
-        <mc:Choice xmlns:a14="http://schemas.microsoft.com/office/drawing/2010/main" Requires="a14">
+      <mc:AlternateContent xmlns:mc="http://schemas.openxmlformats.org/markup-compatibility/2006" xmlns:a14="http://schemas.microsoft.com/office/drawing/2010/main">
+        <mc:Choice Requires="a14">
           <p:sp>
             <p:nvSpPr>
               <p:cNvPr id="23" name="TextBox 19">
@@ -6398,7 +6398,7 @@
             </p:txBody>
           </p:sp>
         </mc:Choice>
-        <mc:Fallback>
+        <mc:Fallback xmlns="">
           <p:sp>
             <p:nvSpPr>
               <p:cNvPr id="23" name="TextBox 19">
@@ -8157,8 +8157,8 @@
           </a:p>
         </p:txBody>
       </p:sp>
-      <mc:AlternateContent xmlns:mc="http://schemas.openxmlformats.org/markup-compatibility/2006">
-        <mc:Choice xmlns:a14="http://schemas.microsoft.com/office/drawing/2010/main" Requires="a14">
+      <mc:AlternateContent xmlns:mc="http://schemas.openxmlformats.org/markup-compatibility/2006" xmlns:a14="http://schemas.microsoft.com/office/drawing/2010/main">
+        <mc:Choice Requires="a14">
           <p:sp>
             <p:nvSpPr>
               <p:cNvPr id="29" name="TextBox 19">
@@ -8652,7 +8652,7 @@
             </p:txBody>
           </p:sp>
         </mc:Choice>
-        <mc:Fallback>
+        <mc:Fallback xmlns="">
           <p:sp>
             <p:nvSpPr>
               <p:cNvPr id="29" name="TextBox 19">
@@ -9169,8 +9169,8 @@
           </a:p>
         </p:txBody>
       </p:sp>
-      <mc:AlternateContent xmlns:mc="http://schemas.openxmlformats.org/markup-compatibility/2006">
-        <mc:Choice xmlns:a14="http://schemas.microsoft.com/office/drawing/2010/main" Requires="a14">
+      <mc:AlternateContent xmlns:mc="http://schemas.openxmlformats.org/markup-compatibility/2006" xmlns:a14="http://schemas.microsoft.com/office/drawing/2010/main">
+        <mc:Choice Requires="a14">
           <p:sp>
             <p:nvSpPr>
               <p:cNvPr id="48" name="TextBox 19">
@@ -10459,7 +10459,7 @@
             </p:txBody>
           </p:sp>
         </mc:Choice>
-        <mc:Fallback>
+        <mc:Fallback xmlns="">
           <p:sp>
             <p:nvSpPr>
               <p:cNvPr id="48" name="TextBox 19">
@@ -10658,8 +10658,8 @@
           </p:sp>
         </mc:Fallback>
       </mc:AlternateContent>
-      <mc:AlternateContent xmlns:mc="http://schemas.openxmlformats.org/markup-compatibility/2006">
-        <mc:Choice xmlns:a14="http://schemas.microsoft.com/office/drawing/2010/main" Requires="a14">
+      <mc:AlternateContent xmlns:mc="http://schemas.openxmlformats.org/markup-compatibility/2006" xmlns:a14="http://schemas.microsoft.com/office/drawing/2010/main">
+        <mc:Choice Requires="a14">
           <p:sp>
             <p:nvSpPr>
               <p:cNvPr id="13" name="矩形 12">
@@ -10782,7 +10782,9 @@
                 <a14:m>
                   <m:oMath xmlns:m="http://schemas.openxmlformats.org/officeDocument/2006/math">
                     <m:r>
-                      <a:rPr lang="en-US" altLang="zh-CN" sz="622" dirty="0"/>
+                      <a:rPr lang="en-US" altLang="zh-CN" sz="622" dirty="0">
+                        <a:latin typeface="Cambria Math" panose="02040503050406030204" pitchFamily="18" charset="0"/>
+                      </a:rPr>
                       <m:t>𝛤</m:t>
                     </m:r>
                   </m:oMath>
@@ -10816,7 +10818,7 @@
             </p:txBody>
           </p:sp>
         </mc:Choice>
-        <mc:Fallback>
+        <mc:Fallback xmlns="">
           <p:sp>
             <p:nvSpPr>
               <p:cNvPr id="13" name="矩形 12">
@@ -11376,8 +11378,8 @@
           </a:prstGeom>
         </p:spPr>
       </p:pic>
-      <mc:AlternateContent xmlns:mc="http://schemas.openxmlformats.org/markup-compatibility/2006">
-        <mc:Choice xmlns:a14="http://schemas.microsoft.com/office/drawing/2010/main" Requires="a14">
+      <mc:AlternateContent xmlns:mc="http://schemas.openxmlformats.org/markup-compatibility/2006" xmlns:a14="http://schemas.microsoft.com/office/drawing/2010/main">
+        <mc:Choice Requires="a14">
           <p:sp>
             <p:nvSpPr>
               <p:cNvPr id="33" name="TextBox 19">
@@ -12959,7 +12961,7 @@
                       <m:f>
                         <m:fPr>
                           <m:ctrlPr>
-                            <a:rPr lang="en-US" altLang="zh-CN" sz="622" dirty="0" smtClean="0">
+                            <a:rPr lang="en-US" altLang="zh-CN" sz="622" i="1" dirty="0" smtClean="0">
                               <a:latin typeface="Cambria Math" panose="02040503050406030204" pitchFamily="18" charset="0"/>
                             </a:rPr>
                           </m:ctrlPr>
@@ -13069,7 +13071,7 @@
             </p:txBody>
           </p:sp>
         </mc:Choice>
-        <mc:Fallback>
+        <mc:Fallback xmlns="">
           <p:sp>
             <p:nvSpPr>
               <p:cNvPr id="33" name="TextBox 19">
@@ -13175,8 +13177,8 @@
           </a:p>
         </p:txBody>
       </p:sp>
-      <mc:AlternateContent xmlns:mc="http://schemas.openxmlformats.org/markup-compatibility/2006">
-        <mc:Choice xmlns:a14="http://schemas.microsoft.com/office/drawing/2010/main" Requires="a14">
+      <mc:AlternateContent xmlns:mc="http://schemas.openxmlformats.org/markup-compatibility/2006" xmlns:a14="http://schemas.microsoft.com/office/drawing/2010/main">
+        <mc:Choice Requires="a14">
           <p:sp>
             <p:nvSpPr>
               <p:cNvPr id="32" name="TextBox 19">
@@ -13348,8 +13350,8 @@
                     <m:d>
                       <m:dPr>
                         <m:ctrlPr>
-                          <a:rPr lang="en-US" altLang="zh-CN" sz="622" dirty="0" smtClean="0">
-                            <a:latin typeface="Titillium Web" panose="00000500000000000000" pitchFamily="2" charset="0"/>
+                          <a:rPr lang="en-US" altLang="zh-CN" sz="622" i="1" dirty="0" smtClean="0">
+                            <a:latin typeface="Cambria Math" panose="02040503050406030204" pitchFamily="18" charset="0"/>
                             <a:cs typeface="Arial" pitchFamily="34" charset="0"/>
                           </a:rPr>
                         </m:ctrlPr>
@@ -13367,8 +13369,8 @@
                               </m:mc>
                             </m:mcs>
                             <m:ctrlPr>
-                              <a:rPr lang="en-US" altLang="zh-CN" sz="622" dirty="0">
-                                <a:latin typeface="Titillium Web" panose="00000500000000000000" pitchFamily="2" charset="0"/>
+                              <a:rPr lang="en-US" altLang="zh-CN" sz="622" i="1" dirty="0">
+                                <a:latin typeface="Cambria Math" panose="02040503050406030204" pitchFamily="18" charset="0"/>
                                 <a:cs typeface="Arial" pitchFamily="34" charset="0"/>
                               </a:rPr>
                             </m:ctrlPr>
@@ -13377,7 +13379,7 @@
                             <m:e>
                               <m:r>
                                 <a:rPr lang="en-US" altLang="zh-CN" sz="622" dirty="0">
-                                  <a:latin typeface="Titillium Web" panose="00000500000000000000" pitchFamily="2" charset="0"/>
+                                  <a:latin typeface="Cambria Math" panose="02040503050406030204" pitchFamily="18" charset="0"/>
                                   <a:cs typeface="Arial" pitchFamily="34" charset="0"/>
                                 </a:rPr>
                                 <m:t>𝑛</m:t>
@@ -13388,7 +13390,7 @@
                             <m:e>
                               <m:r>
                                 <a:rPr lang="en-US" altLang="zh-CN" sz="622" dirty="0">
-                                  <a:latin typeface="Titillium Web" panose="00000500000000000000" pitchFamily="2" charset="0"/>
+                                  <a:latin typeface="Cambria Math" panose="02040503050406030204" pitchFamily="18" charset="0"/>
                                   <a:cs typeface="Arial" pitchFamily="34" charset="0"/>
                                 </a:rPr>
                                 <m:t>2</m:t>
@@ -13658,7 +13660,7 @@
             </p:txBody>
           </p:sp>
         </mc:Choice>
-        <mc:Fallback>
+        <mc:Fallback xmlns="">
           <p:sp>
             <p:nvSpPr>
               <p:cNvPr id="32" name="TextBox 19">
@@ -13933,8 +13935,8 @@
           </a:prstGeom>
         </p:spPr>
       </p:pic>
-      <mc:AlternateContent xmlns:mc="http://schemas.openxmlformats.org/markup-compatibility/2006">
-        <mc:Choice xmlns:a14="http://schemas.microsoft.com/office/drawing/2010/main" Requires="a14">
+      <mc:AlternateContent xmlns:mc="http://schemas.openxmlformats.org/markup-compatibility/2006" xmlns:a14="http://schemas.microsoft.com/office/drawing/2010/main">
+        <mc:Choice Requires="a14">
           <p:sp>
             <p:nvSpPr>
               <p:cNvPr id="43" name="TextBox 19">
@@ -14165,7 +14167,7 @@
             </p:txBody>
           </p:sp>
         </mc:Choice>
-        <mc:Fallback>
+        <mc:Fallback xmlns="">
           <p:sp>
             <p:nvSpPr>
               <p:cNvPr id="43" name="TextBox 19">
